--- a/OAuth2/AccessTokensAreBearerTokens.pptx
+++ b/OAuth2/AccessTokensAreBearerTokens.pptx
@@ -5,15 +5,18 @@
     <p:sldMasterId id="2147483648" r:id="rId1"/>
   </p:sldMasterIdLst>
   <p:notesMasterIdLst>
-    <p:notesMasterId r:id="rId8"/>
+    <p:notesMasterId r:id="rId11"/>
   </p:notesMasterIdLst>
   <p:sldIdLst>
     <p:sldId id="256" r:id="rId2"/>
     <p:sldId id="266" r:id="rId3"/>
-    <p:sldId id="258" r:id="rId4"/>
-    <p:sldId id="267" r:id="rId5"/>
-    <p:sldId id="268" r:id="rId6"/>
-    <p:sldId id="269" r:id="rId7"/>
+    <p:sldId id="270" r:id="rId4"/>
+    <p:sldId id="258" r:id="rId5"/>
+    <p:sldId id="267" r:id="rId6"/>
+    <p:sldId id="268" r:id="rId7"/>
+    <p:sldId id="269" r:id="rId8"/>
+    <p:sldId id="271" r:id="rId9"/>
+    <p:sldId id="272" r:id="rId10"/>
   </p:sldIdLst>
   <p:sldSz cx="9144000" cy="5143500" type="screen16x9"/>
   <p:notesSz cx="6858000" cy="9144000"/>
@@ -197,7 +200,7 @@
           <a:p>
             <a:fld id="{888645BC-003E-4122-82E1-D317FC14B317}" type="datetimeFigureOut">
               <a:rPr lang="en-US" smtClean="0"/>
-              <a:t>1/6/2017</a:t>
+              <a:t>1/9/2017</a:t>
             </a:fld>
             <a:endParaRPr lang="en-US"/>
           </a:p>
@@ -698,7 +701,7 @@
           <a:p>
             <a:fld id="{CC12A973-7C05-40A2-9147-08F0197AC4E3}" type="slidenum">
               <a:rPr lang="en-US" smtClean="0"/>
-              <a:t>3</a:t>
+              <a:t>4</a:t>
             </a:fld>
             <a:endParaRPr lang="en-US"/>
           </a:p>
@@ -782,7 +785,7 @@
           <a:p>
             <a:fld id="{CC12A973-7C05-40A2-9147-08F0197AC4E3}" type="slidenum">
               <a:rPr lang="en-US" smtClean="0"/>
-              <a:t>4</a:t>
+              <a:t>5</a:t>
             </a:fld>
             <a:endParaRPr lang="en-US"/>
           </a:p>
@@ -866,7 +869,7 @@
           <a:p>
             <a:fld id="{CC12A973-7C05-40A2-9147-08F0197AC4E3}" type="slidenum">
               <a:rPr lang="en-US" smtClean="0"/>
-              <a:t>5</a:t>
+              <a:t>6</a:t>
             </a:fld>
             <a:endParaRPr lang="en-US"/>
           </a:p>
@@ -950,7 +953,7 @@
           <a:p>
             <a:fld id="{CC12A973-7C05-40A2-9147-08F0197AC4E3}" type="slidenum">
               <a:rPr lang="en-US" smtClean="0"/>
-              <a:t>6</a:t>
+              <a:t>7</a:t>
             </a:fld>
             <a:endParaRPr lang="en-US"/>
           </a:p>
@@ -1150,7 +1153,7 @@
           <a:p>
             <a:fld id="{0F23BC65-0C98-42DD-959E-025250E663A0}" type="datetimeFigureOut">
               <a:rPr lang="en-US" smtClean="0"/>
-              <a:t>1/6/2017</a:t>
+              <a:t>1/9/2017</a:t>
             </a:fld>
             <a:endParaRPr lang="en-US"/>
           </a:p>
@@ -1320,7 +1323,7 @@
           <a:p>
             <a:fld id="{0F23BC65-0C98-42DD-959E-025250E663A0}" type="datetimeFigureOut">
               <a:rPr lang="en-US" smtClean="0"/>
-              <a:t>1/6/2017</a:t>
+              <a:t>1/9/2017</a:t>
             </a:fld>
             <a:endParaRPr lang="en-US"/>
           </a:p>
@@ -1500,7 +1503,7 @@
           <a:p>
             <a:fld id="{0F23BC65-0C98-42DD-959E-025250E663A0}" type="datetimeFigureOut">
               <a:rPr lang="en-US" smtClean="0"/>
-              <a:t>1/6/2017</a:t>
+              <a:t>1/9/2017</a:t>
             </a:fld>
             <a:endParaRPr lang="en-US"/>
           </a:p>
@@ -1670,7 +1673,7 @@
           <a:p>
             <a:fld id="{0F23BC65-0C98-42DD-959E-025250E663A0}" type="datetimeFigureOut">
               <a:rPr lang="en-US" smtClean="0"/>
-              <a:t>1/6/2017</a:t>
+              <a:t>1/9/2017</a:t>
             </a:fld>
             <a:endParaRPr lang="en-US"/>
           </a:p>
@@ -1916,7 +1919,7 @@
           <a:p>
             <a:fld id="{0F23BC65-0C98-42DD-959E-025250E663A0}" type="datetimeFigureOut">
               <a:rPr lang="en-US" smtClean="0"/>
-              <a:t>1/6/2017</a:t>
+              <a:t>1/9/2017</a:t>
             </a:fld>
             <a:endParaRPr lang="en-US"/>
           </a:p>
@@ -2204,7 +2207,7 @@
           <a:p>
             <a:fld id="{0F23BC65-0C98-42DD-959E-025250E663A0}" type="datetimeFigureOut">
               <a:rPr lang="en-US" smtClean="0"/>
-              <a:t>1/6/2017</a:t>
+              <a:t>1/9/2017</a:t>
             </a:fld>
             <a:endParaRPr lang="en-US"/>
           </a:p>
@@ -2626,7 +2629,7 @@
           <a:p>
             <a:fld id="{0F23BC65-0C98-42DD-959E-025250E663A0}" type="datetimeFigureOut">
               <a:rPr lang="en-US" smtClean="0"/>
-              <a:t>1/6/2017</a:t>
+              <a:t>1/9/2017</a:t>
             </a:fld>
             <a:endParaRPr lang="en-US"/>
           </a:p>
@@ -2744,7 +2747,7 @@
           <a:p>
             <a:fld id="{0F23BC65-0C98-42DD-959E-025250E663A0}" type="datetimeFigureOut">
               <a:rPr lang="en-US" smtClean="0"/>
-              <a:t>1/6/2017</a:t>
+              <a:t>1/9/2017</a:t>
             </a:fld>
             <a:endParaRPr lang="en-US"/>
           </a:p>
@@ -2839,7 +2842,7 @@
           <a:p>
             <a:fld id="{0F23BC65-0C98-42DD-959E-025250E663A0}" type="datetimeFigureOut">
               <a:rPr lang="en-US" smtClean="0"/>
-              <a:t>1/6/2017</a:t>
+              <a:t>1/9/2017</a:t>
             </a:fld>
             <a:endParaRPr lang="en-US"/>
           </a:p>
@@ -3116,7 +3119,7 @@
           <a:p>
             <a:fld id="{0F23BC65-0C98-42DD-959E-025250E663A0}" type="datetimeFigureOut">
               <a:rPr lang="en-US" smtClean="0"/>
-              <a:t>1/6/2017</a:t>
+              <a:t>1/9/2017</a:t>
             </a:fld>
             <a:endParaRPr lang="en-US"/>
           </a:p>
@@ -3369,7 +3372,7 @@
           <a:p>
             <a:fld id="{0F23BC65-0C98-42DD-959E-025250E663A0}" type="datetimeFigureOut">
               <a:rPr lang="en-US" smtClean="0"/>
-              <a:t>1/6/2017</a:t>
+              <a:t>1/9/2017</a:t>
             </a:fld>
             <a:endParaRPr lang="en-US"/>
           </a:p>
@@ -3606,7 +3609,7 @@
           <a:p>
             <a:fld id="{0F23BC65-0C98-42DD-959E-025250E663A0}" type="datetimeFigureOut">
               <a:rPr lang="en-US" smtClean="0"/>
-              <a:t>1/6/2017</a:t>
+              <a:t>1/9/2017</a:t>
             </a:fld>
             <a:endParaRPr lang="en-US"/>
           </a:p>
@@ -4020,18 +4023,7 @@
                 </a:solidFill>
                 <a:latin typeface="Calibri Light" panose="020F0302020204030204" pitchFamily="34" charset="0"/>
               </a:rPr>
-              <a:t>OAuth 2.0 </a:t>
-            </a:r>
-            <a:r>
-              <a:rPr lang="en-US" sz="6000" dirty="0" smtClean="0">
-                <a:solidFill>
-                  <a:schemeClr val="bg1">
-                    <a:lumMod val="95000"/>
-                  </a:schemeClr>
-                </a:solidFill>
-                <a:latin typeface="Calibri Light" panose="020F0302020204030204" pitchFamily="34" charset="0"/>
-              </a:rPr>
-              <a:t>Access Tokens</a:t>
+              <a:t>OAuth 2.0 Access Tokens</a:t>
             </a:r>
             <a:endParaRPr lang="en-US" sz="6000" dirty="0">
               <a:solidFill>
@@ -4267,6 +4259,117 @@
 </file>
 
 <file path=ppt/slides/slide3.xml><?xml version="1.0" encoding="utf-8"?>
+<p:sld xmlns:a="http://schemas.openxmlformats.org/drawingml/2006/main" xmlns:r="http://schemas.openxmlformats.org/officeDocument/2006/relationships" xmlns:p="http://schemas.openxmlformats.org/presentationml/2006/main">
+  <p:cSld>
+    <p:bg>
+      <p:bgPr>
+        <a:solidFill>
+          <a:schemeClr val="tx1"/>
+        </a:solidFill>
+        <a:effectLst/>
+      </p:bgPr>
+    </p:bg>
+    <p:spTree>
+      <p:nvGrpSpPr>
+        <p:cNvPr id="1" name=""/>
+        <p:cNvGrpSpPr/>
+        <p:nvPr/>
+      </p:nvGrpSpPr>
+      <p:grpSpPr>
+        <a:xfrm>
+          <a:off x="0" y="0"/>
+          <a:ext cx="0" cy="0"/>
+          <a:chOff x="0" y="0"/>
+          <a:chExt cx="0" cy="0"/>
+        </a:xfrm>
+      </p:grpSpPr>
+      <p:sp>
+        <p:nvSpPr>
+          <p:cNvPr id="4" name="TextBox 3"/>
+          <p:cNvSpPr txBox="1"/>
+          <p:nvPr/>
+        </p:nvSpPr>
+        <p:spPr>
+          <a:xfrm>
+            <a:off x="2971800" y="1454727"/>
+            <a:ext cx="3052182" cy="769441"/>
+          </a:xfrm>
+          <a:prstGeom prst="rect">
+            <a:avLst/>
+          </a:prstGeom>
+          <a:noFill/>
+        </p:spPr>
+        <p:txBody>
+          <a:bodyPr wrap="none" rtlCol="0">
+            <a:spAutoFit/>
+          </a:bodyPr>
+          <a:lstStyle/>
+          <a:p>
+            <a:pPr algn="ctr"/>
+            <a:r>
+              <a:rPr lang="en-US" sz="4400" dirty="0" smtClean="0">
+                <a:solidFill>
+                  <a:schemeClr val="bg1"/>
+                </a:solidFill>
+              </a:rPr>
+              <a:t>Source Code</a:t>
+            </a:r>
+            <a:endParaRPr lang="en-US" sz="4400" dirty="0">
+              <a:solidFill>
+                <a:schemeClr val="bg1"/>
+              </a:solidFill>
+            </a:endParaRPr>
+          </a:p>
+        </p:txBody>
+      </p:sp>
+      <p:sp>
+        <p:nvSpPr>
+          <p:cNvPr id="5" name="TextBox 4"/>
+          <p:cNvSpPr txBox="1"/>
+          <p:nvPr/>
+        </p:nvSpPr>
+        <p:spPr>
+          <a:xfrm>
+            <a:off x="2209800" y="2438400"/>
+            <a:ext cx="5001306" cy="307777"/>
+          </a:xfrm>
+          <a:prstGeom prst="rect">
+            <a:avLst/>
+          </a:prstGeom>
+          <a:noFill/>
+        </p:spPr>
+        <p:txBody>
+          <a:bodyPr wrap="none" rtlCol="0">
+            <a:spAutoFit/>
+          </a:bodyPr>
+          <a:lstStyle/>
+          <a:p>
+            <a:pPr algn="ctr"/>
+            <a:r>
+              <a:rPr lang="en-US" sz="1400" dirty="0">
+                <a:solidFill>
+                  <a:schemeClr val="bg1"/>
+                </a:solidFill>
+              </a:rPr>
+              <a:t>https://github.com/Sathyaish/Training/tree/master/OAuth2/Thief</a:t>
+            </a:r>
+          </a:p>
+        </p:txBody>
+      </p:sp>
+    </p:spTree>
+    <p:extLst>
+      <p:ext uri="{BB962C8B-B14F-4D97-AF65-F5344CB8AC3E}">
+        <p14:creationId xmlns:p14="http://schemas.microsoft.com/office/powerpoint/2010/main" val="4063545654"/>
+      </p:ext>
+    </p:extLst>
+  </p:cSld>
+  <p:clrMapOvr>
+    <a:masterClrMapping/>
+  </p:clrMapOvr>
+</p:sld>
+</file>
+
+<file path=ppt/slides/slide4.xml><?xml version="1.0" encoding="utf-8"?>
 <p:sld xmlns:a="http://schemas.openxmlformats.org/drawingml/2006/main" xmlns:r="http://schemas.openxmlformats.org/officeDocument/2006/relationships" xmlns:p="http://schemas.openxmlformats.org/presentationml/2006/main">
   <p:cSld>
     <p:bg>
@@ -5314,7 +5417,7 @@
 </p:sld>
 </file>
 
-<file path=ppt/slides/slide4.xml><?xml version="1.0" encoding="utf-8"?>
+<file path=ppt/slides/slide5.xml><?xml version="1.0" encoding="utf-8"?>
 <p:sld xmlns:a="http://schemas.openxmlformats.org/drawingml/2006/main" xmlns:r="http://schemas.openxmlformats.org/officeDocument/2006/relationships" xmlns:p="http://schemas.openxmlformats.org/presentationml/2006/main">
   <p:cSld>
     <p:bg>
@@ -5989,13 +6092,13 @@
   <p:clrMapOvr>
     <a:masterClrMapping/>
   </p:clrMapOvr>
-  <mc:AlternateContent xmlns:mc="http://schemas.openxmlformats.org/markup-compatibility/2006">
-    <mc:Choice xmlns:p14="http://schemas.microsoft.com/office/powerpoint/2010/main" Requires="p14">
+  <mc:AlternateContent xmlns:mc="http://schemas.openxmlformats.org/markup-compatibility/2006" xmlns:p14="http://schemas.microsoft.com/office/powerpoint/2010/main">
+    <mc:Choice Requires="p14">
       <p:transition spd="med" p14:dur="700">
         <p:fade/>
       </p:transition>
     </mc:Choice>
-    <mc:Fallback>
+    <mc:Fallback xmlns="">
       <p:transition spd="med">
         <p:fade/>
       </p:transition>
@@ -6011,7 +6114,7 @@
 </p:sld>
 </file>
 
-<file path=ppt/slides/slide5.xml><?xml version="1.0" encoding="utf-8"?>
+<file path=ppt/slides/slide6.xml><?xml version="1.0" encoding="utf-8"?>
 <p:sld xmlns:a="http://schemas.openxmlformats.org/drawingml/2006/main" xmlns:r="http://schemas.openxmlformats.org/officeDocument/2006/relationships" xmlns:p="http://schemas.openxmlformats.org/presentationml/2006/main">
   <p:cSld>
     <p:bg>
@@ -6452,7 +6555,7 @@
 </p:sld>
 </file>
 
-<file path=ppt/slides/slide6.xml><?xml version="1.0" encoding="utf-8"?>
+<file path=ppt/slides/slide7.xml><?xml version="1.0" encoding="utf-8"?>
 <p:sld xmlns:a="http://schemas.openxmlformats.org/drawingml/2006/main" xmlns:r="http://schemas.openxmlformats.org/officeDocument/2006/relationships" xmlns:p="http://schemas.openxmlformats.org/presentationml/2006/main">
   <p:cSld>
     <p:bg>
@@ -6508,18 +6611,7 @@
                 </a:solidFill>
                 <a:latin typeface="Calibri Light" panose="020F0302020204030204" pitchFamily="34" charset="0"/>
               </a:rPr>
-              <a:t>OAuth 2.0 </a:t>
-            </a:r>
-            <a:r>
-              <a:rPr lang="en-US" sz="6000" dirty="0" smtClean="0">
-                <a:solidFill>
-                  <a:schemeClr val="bg1">
-                    <a:lumMod val="95000"/>
-                  </a:schemeClr>
-                </a:solidFill>
-                <a:latin typeface="Calibri Light" panose="020F0302020204030204" pitchFamily="34" charset="0"/>
-              </a:rPr>
-              <a:t>Access Tokens</a:t>
+              <a:t>OAuth 2.0 Access Tokens</a:t>
             </a:r>
             <a:endParaRPr lang="en-US" sz="6000" dirty="0">
               <a:solidFill>
@@ -6621,6 +6713,706 @@
       </p:transition>
     </mc:Fallback>
   </mc:AlternateContent>
+  <p:timing>
+    <p:tnLst>
+      <p:par>
+        <p:cTn id="1" dur="indefinite" restart="never" nodeType="tmRoot"/>
+      </p:par>
+    </p:tnLst>
+  </p:timing>
+</p:sld>
+</file>
+
+<file path=ppt/slides/slide8.xml><?xml version="1.0" encoding="utf-8"?>
+<p:sld xmlns:a="http://schemas.openxmlformats.org/drawingml/2006/main" xmlns:r="http://schemas.openxmlformats.org/officeDocument/2006/relationships" xmlns:p="http://schemas.openxmlformats.org/presentationml/2006/main">
+  <p:cSld>
+    <p:bg>
+      <p:bgPr>
+        <a:solidFill>
+          <a:srgbClr val="0070C0"/>
+        </a:solidFill>
+        <a:effectLst/>
+      </p:bgPr>
+    </p:bg>
+    <p:spTree>
+      <p:nvGrpSpPr>
+        <p:cNvPr id="1" name=""/>
+        <p:cNvGrpSpPr/>
+        <p:nvPr/>
+      </p:nvGrpSpPr>
+      <p:grpSpPr>
+        <a:xfrm>
+          <a:off x="0" y="0"/>
+          <a:ext cx="0" cy="0"/>
+          <a:chOff x="0" y="0"/>
+          <a:chExt cx="0" cy="0"/>
+        </a:xfrm>
+      </p:grpSpPr>
+      <p:sp>
+        <p:nvSpPr>
+          <p:cNvPr id="4" name="TextBox 3"/>
+          <p:cNvSpPr txBox="1"/>
+          <p:nvPr/>
+        </p:nvSpPr>
+        <p:spPr>
+          <a:xfrm>
+            <a:off x="1822693" y="133350"/>
+            <a:ext cx="4923592" cy="707886"/>
+          </a:xfrm>
+          <a:prstGeom prst="rect">
+            <a:avLst/>
+          </a:prstGeom>
+          <a:noFill/>
+        </p:spPr>
+        <p:txBody>
+          <a:bodyPr wrap="none" rtlCol="0">
+            <a:spAutoFit/>
+          </a:bodyPr>
+          <a:lstStyle/>
+          <a:p>
+            <a:pPr algn="ctr"/>
+            <a:r>
+              <a:rPr lang="en-US" sz="4000" dirty="0" smtClean="0">
+                <a:solidFill>
+                  <a:schemeClr val="bg1"/>
+                </a:solidFill>
+              </a:rPr>
+              <a:t>Watch this on YouTube</a:t>
+            </a:r>
+            <a:endParaRPr lang="en-US" sz="4000" dirty="0">
+              <a:solidFill>
+                <a:schemeClr val="bg1"/>
+              </a:solidFill>
+            </a:endParaRPr>
+          </a:p>
+        </p:txBody>
+      </p:sp>
+      <p:sp>
+        <p:nvSpPr>
+          <p:cNvPr id="5" name="TextBox 4"/>
+          <p:cNvSpPr txBox="1"/>
+          <p:nvPr/>
+        </p:nvSpPr>
+        <p:spPr>
+          <a:xfrm>
+            <a:off x="2362200" y="4324350"/>
+            <a:ext cx="3875613" cy="307777"/>
+          </a:xfrm>
+          <a:prstGeom prst="rect">
+            <a:avLst/>
+          </a:prstGeom>
+          <a:noFill/>
+        </p:spPr>
+        <p:txBody>
+          <a:bodyPr wrap="none" rtlCol="0">
+            <a:spAutoFit/>
+          </a:bodyPr>
+          <a:lstStyle/>
+          <a:p>
+            <a:pPr algn="ctr"/>
+            <a:r>
+              <a:rPr lang="en-US" sz="1400" dirty="0">
+                <a:solidFill>
+                  <a:schemeClr val="bg1"/>
+                </a:solidFill>
+              </a:rPr>
+              <a:t>https://www.youtube.com/watch?v=fBCHbSmzZzg</a:t>
+            </a:r>
+          </a:p>
+        </p:txBody>
+      </p:sp>
+      <p:pic>
+        <p:nvPicPr>
+          <p:cNvPr id="1026" name="Picture 2"/>
+          <p:cNvPicPr>
+            <a:picLocks noChangeAspect="1" noChangeArrowheads="1"/>
+          </p:cNvPicPr>
+          <p:nvPr/>
+        </p:nvPicPr>
+        <p:blipFill rotWithShape="1">
+          <a:blip r:embed="rId2">
+            <a:extLst>
+              <a:ext uri="{28A0092B-C50C-407E-A947-70E740481C1C}">
+                <a14:useLocalDpi xmlns:a14="http://schemas.microsoft.com/office/drawing/2010/main" val="0"/>
+              </a:ext>
+            </a:extLst>
+          </a:blip>
+          <a:srcRect l="16987" t="12167"/>
+          <a:stretch/>
+        </p:blipFill>
+        <p:spPr bwMode="auto">
+          <a:xfrm>
+            <a:off x="2293883" y="895350"/>
+            <a:ext cx="3996978" cy="2917132"/>
+          </a:xfrm>
+          <a:prstGeom prst="rect">
+            <a:avLst/>
+          </a:prstGeom>
+          <a:ln>
+            <a:noFill/>
+          </a:ln>
+          <a:effectLst>
+            <a:outerShdw blurRad="292100" dist="139700" dir="2700000" algn="tl" rotWithShape="0">
+              <a:srgbClr val="333333">
+                <a:alpha val="65000"/>
+              </a:srgbClr>
+            </a:outerShdw>
+          </a:effectLst>
+          <a:extLst>
+            <a:ext uri="{909E8E84-426E-40DD-AFC4-6F175D3DCCD1}">
+              <a14:hiddenFill xmlns:a14="http://schemas.microsoft.com/office/drawing/2010/main">
+                <a:solidFill>
+                  <a:schemeClr val="accent1"/>
+                </a:solidFill>
+              </a14:hiddenFill>
+            </a:ext>
+            <a:ext uri="{91240B29-F687-4F45-9708-019B960494DF}">
+              <a14:hiddenLine xmlns:a14="http://schemas.microsoft.com/office/drawing/2010/main" w="9525">
+                <a:solidFill>
+                  <a:schemeClr val="tx1"/>
+                </a:solidFill>
+                <a:miter lim="800000"/>
+                <a:headEnd/>
+                <a:tailEnd/>
+              </a14:hiddenLine>
+            </a:ext>
+          </a:extLst>
+        </p:spPr>
+      </p:pic>
+      <p:sp>
+        <p:nvSpPr>
+          <p:cNvPr id="6" name="TextBox 5"/>
+          <p:cNvSpPr txBox="1"/>
+          <p:nvPr/>
+        </p:nvSpPr>
+        <p:spPr>
+          <a:xfrm>
+            <a:off x="2428353" y="4016573"/>
+            <a:ext cx="3596177" cy="307777"/>
+          </a:xfrm>
+          <a:prstGeom prst="rect">
+            <a:avLst/>
+          </a:prstGeom>
+          <a:noFill/>
+        </p:spPr>
+        <p:txBody>
+          <a:bodyPr wrap="none" rtlCol="0">
+            <a:spAutoFit/>
+          </a:bodyPr>
+          <a:lstStyle/>
+          <a:p>
+            <a:pPr algn="ctr"/>
+            <a:r>
+              <a:rPr lang="en-US" sz="1400" b="1" dirty="0" smtClean="0">
+                <a:solidFill>
+                  <a:schemeClr val="bg1"/>
+                </a:solidFill>
+              </a:rPr>
+              <a:t>10) OAuth 2.0 access tokens are bearer tokens</a:t>
+            </a:r>
+            <a:endParaRPr lang="en-US" sz="1400" b="1" dirty="0">
+              <a:solidFill>
+                <a:schemeClr val="bg1"/>
+              </a:solidFill>
+            </a:endParaRPr>
+          </a:p>
+        </p:txBody>
+      </p:sp>
+    </p:spTree>
+    <p:extLst>
+      <p:ext uri="{BB962C8B-B14F-4D97-AF65-F5344CB8AC3E}">
+        <p14:creationId xmlns:p14="http://schemas.microsoft.com/office/powerpoint/2010/main" val="2311513945"/>
+      </p:ext>
+    </p:extLst>
+  </p:cSld>
+  <p:clrMapOvr>
+    <a:masterClrMapping/>
+  </p:clrMapOvr>
+  <p:timing>
+    <p:tnLst>
+      <p:par>
+        <p:cTn id="1" dur="indefinite" restart="never" nodeType="tmRoot"/>
+      </p:par>
+    </p:tnLst>
+  </p:timing>
+</p:sld>
+</file>
+
+<file path=ppt/slides/slide9.xml><?xml version="1.0" encoding="utf-8"?>
+<p:sld xmlns:a="http://schemas.openxmlformats.org/drawingml/2006/main" xmlns:r="http://schemas.openxmlformats.org/officeDocument/2006/relationships" xmlns:p="http://schemas.openxmlformats.org/presentationml/2006/main">
+  <p:cSld>
+    <p:bg>
+      <p:bgPr>
+        <a:solidFill>
+          <a:srgbClr val="0070C0"/>
+        </a:solidFill>
+        <a:effectLst/>
+      </p:bgPr>
+    </p:bg>
+    <p:spTree>
+      <p:nvGrpSpPr>
+        <p:cNvPr id="1" name=""/>
+        <p:cNvGrpSpPr/>
+        <p:nvPr/>
+      </p:nvGrpSpPr>
+      <p:grpSpPr>
+        <a:xfrm>
+          <a:off x="0" y="0"/>
+          <a:ext cx="0" cy="0"/>
+          <a:chOff x="0" y="0"/>
+          <a:chExt cx="0" cy="0"/>
+        </a:xfrm>
+      </p:grpSpPr>
+      <p:sp>
+        <p:nvSpPr>
+          <p:cNvPr id="2" name="TextBox 1"/>
+          <p:cNvSpPr txBox="1"/>
+          <p:nvPr/>
+        </p:nvSpPr>
+        <p:spPr>
+          <a:xfrm>
+            <a:off x="76200" y="290036"/>
+            <a:ext cx="8548046" cy="584775"/>
+          </a:xfrm>
+          <a:prstGeom prst="rect">
+            <a:avLst/>
+          </a:prstGeom>
+          <a:noFill/>
+        </p:spPr>
+        <p:txBody>
+          <a:bodyPr wrap="none" rtlCol="0">
+            <a:spAutoFit/>
+          </a:bodyPr>
+          <a:lstStyle/>
+          <a:p>
+            <a:r>
+              <a:rPr lang="en-US" sz="3200" dirty="0" smtClean="0">
+                <a:solidFill>
+                  <a:schemeClr val="tx1">
+                    <a:lumMod val="85000"/>
+                    <a:lumOff val="15000"/>
+                  </a:schemeClr>
+                </a:solidFill>
+              </a:rPr>
+              <a:t>Hire me for training and/or software development</a:t>
+            </a:r>
+            <a:endParaRPr lang="en-US" sz="3200" dirty="0">
+              <a:solidFill>
+                <a:schemeClr val="tx1">
+                  <a:lumMod val="85000"/>
+                  <a:lumOff val="15000"/>
+                </a:schemeClr>
+              </a:solidFill>
+            </a:endParaRPr>
+          </a:p>
+        </p:txBody>
+      </p:sp>
+      <p:sp>
+        <p:nvSpPr>
+          <p:cNvPr id="3" name="TextBox 2"/>
+          <p:cNvSpPr txBox="1"/>
+          <p:nvPr/>
+        </p:nvSpPr>
+        <p:spPr>
+          <a:xfrm>
+            <a:off x="228600" y="1276350"/>
+            <a:ext cx="2414444" cy="369332"/>
+          </a:xfrm>
+          <a:prstGeom prst="rect">
+            <a:avLst/>
+          </a:prstGeom>
+          <a:noFill/>
+        </p:spPr>
+        <p:txBody>
+          <a:bodyPr wrap="none" rtlCol="0">
+            <a:spAutoFit/>
+          </a:bodyPr>
+          <a:lstStyle/>
+          <a:p>
+            <a:r>
+              <a:rPr lang="en-US" b="1" dirty="0" err="1" smtClean="0">
+                <a:solidFill>
+                  <a:schemeClr val="bg2">
+                    <a:lumMod val="25000"/>
+                  </a:schemeClr>
+                </a:solidFill>
+              </a:rPr>
+              <a:t>Sathyaish</a:t>
+            </a:r>
+            <a:r>
+              <a:rPr lang="en-US" b="1" dirty="0" smtClean="0">
+                <a:solidFill>
+                  <a:schemeClr val="bg2">
+                    <a:lumMod val="25000"/>
+                  </a:schemeClr>
+                </a:solidFill>
+              </a:rPr>
+              <a:t> </a:t>
+            </a:r>
+            <a:r>
+              <a:rPr lang="en-US" b="1" dirty="0" err="1" smtClean="0">
+                <a:solidFill>
+                  <a:schemeClr val="bg2">
+                    <a:lumMod val="25000"/>
+                  </a:schemeClr>
+                </a:solidFill>
+              </a:rPr>
+              <a:t>Chakravarthy</a:t>
+            </a:r>
+            <a:endParaRPr lang="en-US" b="1" dirty="0">
+              <a:solidFill>
+                <a:schemeClr val="bg2">
+                  <a:lumMod val="25000"/>
+                </a:schemeClr>
+              </a:solidFill>
+            </a:endParaRPr>
+          </a:p>
+        </p:txBody>
+      </p:sp>
+      <p:sp>
+        <p:nvSpPr>
+          <p:cNvPr id="6" name="TextBox 5"/>
+          <p:cNvSpPr txBox="1"/>
+          <p:nvPr/>
+        </p:nvSpPr>
+        <p:spPr>
+          <a:xfrm>
+            <a:off x="228600" y="1581150"/>
+            <a:ext cx="2011192" cy="338554"/>
+          </a:xfrm>
+          <a:prstGeom prst="rect">
+            <a:avLst/>
+          </a:prstGeom>
+          <a:noFill/>
+        </p:spPr>
+        <p:txBody>
+          <a:bodyPr wrap="none" rtlCol="0">
+            <a:spAutoFit/>
+          </a:bodyPr>
+          <a:lstStyle/>
+          <a:p>
+            <a:r>
+              <a:rPr lang="en-US" sz="1600" dirty="0" smtClean="0">
+                <a:solidFill>
+                  <a:schemeClr val="bg1"/>
+                </a:solidFill>
+              </a:rPr>
+              <a:t>Sathyaish@gmail.com</a:t>
+            </a:r>
+            <a:endParaRPr lang="en-US" sz="1600" dirty="0">
+              <a:solidFill>
+                <a:schemeClr val="bg1"/>
+              </a:solidFill>
+            </a:endParaRPr>
+          </a:p>
+        </p:txBody>
+      </p:sp>
+      <p:sp>
+        <p:nvSpPr>
+          <p:cNvPr id="7" name="TextBox 6"/>
+          <p:cNvSpPr txBox="1"/>
+          <p:nvPr/>
+        </p:nvSpPr>
+        <p:spPr>
+          <a:xfrm>
+            <a:off x="228600" y="2385596"/>
+            <a:ext cx="1628972" cy="369332"/>
+          </a:xfrm>
+          <a:prstGeom prst="rect">
+            <a:avLst/>
+          </a:prstGeom>
+          <a:noFill/>
+        </p:spPr>
+        <p:txBody>
+          <a:bodyPr wrap="none" rtlCol="0">
+            <a:spAutoFit/>
+          </a:bodyPr>
+          <a:lstStyle/>
+          <a:p>
+            <a:r>
+              <a:rPr lang="en-US" b="1" dirty="0" smtClean="0">
+                <a:solidFill>
+                  <a:schemeClr val="bg2">
+                    <a:lumMod val="25000"/>
+                  </a:schemeClr>
+                </a:solidFill>
+              </a:rPr>
+              <a:t>Stack Overflow</a:t>
+            </a:r>
+            <a:endParaRPr lang="en-US" b="1" dirty="0">
+              <a:solidFill>
+                <a:schemeClr val="bg2">
+                  <a:lumMod val="25000"/>
+                </a:schemeClr>
+              </a:solidFill>
+            </a:endParaRPr>
+          </a:p>
+        </p:txBody>
+      </p:sp>
+      <p:sp>
+        <p:nvSpPr>
+          <p:cNvPr id="8" name="TextBox 7"/>
+          <p:cNvSpPr txBox="1"/>
+          <p:nvPr/>
+        </p:nvSpPr>
+        <p:spPr>
+          <a:xfrm>
+            <a:off x="228600" y="2690396"/>
+            <a:ext cx="2550506" cy="523220"/>
+          </a:xfrm>
+          <a:prstGeom prst="rect">
+            <a:avLst/>
+          </a:prstGeom>
+          <a:noFill/>
+        </p:spPr>
+        <p:txBody>
+          <a:bodyPr wrap="none" rtlCol="0">
+            <a:spAutoFit/>
+          </a:bodyPr>
+          <a:lstStyle/>
+          <a:p>
+            <a:r>
+              <a:rPr lang="en-US" sz="1400" dirty="0">
+                <a:solidFill>
+                  <a:schemeClr val="bg1"/>
+                </a:solidFill>
+              </a:rPr>
+              <a:t>http://stackoverflow.com/users</a:t>
+            </a:r>
+            <a:r>
+              <a:rPr lang="en-US" sz="1400" dirty="0" smtClean="0">
+                <a:solidFill>
+                  <a:schemeClr val="bg1"/>
+                </a:solidFill>
+              </a:rPr>
+              <a:t>/</a:t>
+            </a:r>
+          </a:p>
+          <a:p>
+            <a:r>
+              <a:rPr lang="en-US" sz="1400" dirty="0" smtClean="0">
+                <a:solidFill>
+                  <a:schemeClr val="bg1"/>
+                </a:solidFill>
+              </a:rPr>
+              <a:t>303685/water-cooler-v2</a:t>
+            </a:r>
+            <a:endParaRPr lang="en-US" sz="1400" dirty="0">
+              <a:solidFill>
+                <a:schemeClr val="bg1"/>
+              </a:solidFill>
+            </a:endParaRPr>
+          </a:p>
+        </p:txBody>
+      </p:sp>
+      <p:sp>
+        <p:nvSpPr>
+          <p:cNvPr id="9" name="TextBox 8"/>
+          <p:cNvSpPr txBox="1"/>
+          <p:nvPr/>
+        </p:nvSpPr>
+        <p:spPr>
+          <a:xfrm>
+            <a:off x="228600" y="3486150"/>
+            <a:ext cx="2414444" cy="369332"/>
+          </a:xfrm>
+          <a:prstGeom prst="rect">
+            <a:avLst/>
+          </a:prstGeom>
+          <a:noFill/>
+        </p:spPr>
+        <p:txBody>
+          <a:bodyPr wrap="none" rtlCol="0">
+            <a:spAutoFit/>
+          </a:bodyPr>
+          <a:lstStyle/>
+          <a:p>
+            <a:r>
+              <a:rPr lang="en-US" b="1" dirty="0" err="1" smtClean="0">
+                <a:solidFill>
+                  <a:schemeClr val="bg2">
+                    <a:lumMod val="25000"/>
+                  </a:schemeClr>
+                </a:solidFill>
+              </a:rPr>
+              <a:t>Sathyaish</a:t>
+            </a:r>
+            <a:r>
+              <a:rPr lang="en-US" b="1" dirty="0" smtClean="0">
+                <a:solidFill>
+                  <a:schemeClr val="bg2">
+                    <a:lumMod val="25000"/>
+                  </a:schemeClr>
+                </a:solidFill>
+              </a:rPr>
+              <a:t> </a:t>
+            </a:r>
+            <a:r>
+              <a:rPr lang="en-US" b="1" dirty="0" err="1" smtClean="0">
+                <a:solidFill>
+                  <a:schemeClr val="bg2">
+                    <a:lumMod val="25000"/>
+                  </a:schemeClr>
+                </a:solidFill>
+              </a:rPr>
+              <a:t>Chakravarthy</a:t>
+            </a:r>
+            <a:endParaRPr lang="en-US" b="1" dirty="0">
+              <a:solidFill>
+                <a:schemeClr val="bg2">
+                  <a:lumMod val="25000"/>
+                </a:schemeClr>
+              </a:solidFill>
+            </a:endParaRPr>
+          </a:p>
+        </p:txBody>
+      </p:sp>
+      <p:sp>
+        <p:nvSpPr>
+          <p:cNvPr id="10" name="TextBox 9"/>
+          <p:cNvSpPr txBox="1"/>
+          <p:nvPr/>
+        </p:nvSpPr>
+        <p:spPr>
+          <a:xfrm>
+            <a:off x="228600" y="3790950"/>
+            <a:ext cx="2625399" cy="338554"/>
+          </a:xfrm>
+          <a:prstGeom prst="rect">
+            <a:avLst/>
+          </a:prstGeom>
+          <a:noFill/>
+        </p:spPr>
+        <p:txBody>
+          <a:bodyPr wrap="none" rtlCol="0">
+            <a:spAutoFit/>
+          </a:bodyPr>
+          <a:lstStyle/>
+          <a:p>
+            <a:r>
+              <a:rPr lang="en-US" sz="1600" dirty="0" smtClean="0">
+                <a:solidFill>
+                  <a:schemeClr val="bg1"/>
+                </a:solidFill>
+              </a:rPr>
+              <a:t>https://github.com/Sathyaish</a:t>
+            </a:r>
+            <a:endParaRPr lang="en-US" sz="1600" dirty="0">
+              <a:solidFill>
+                <a:schemeClr val="bg1"/>
+              </a:solidFill>
+            </a:endParaRPr>
+          </a:p>
+        </p:txBody>
+      </p:sp>
+      <p:pic>
+        <p:nvPicPr>
+          <p:cNvPr id="2051" name="Picture 3"/>
+          <p:cNvPicPr>
+            <a:picLocks noChangeAspect="1" noChangeArrowheads="1"/>
+          </p:cNvPicPr>
+          <p:nvPr/>
+        </p:nvPicPr>
+        <p:blipFill>
+          <a:blip r:embed="rId2">
+            <a:extLst>
+              <a:ext uri="{28A0092B-C50C-407E-A947-70E740481C1C}">
+                <a14:useLocalDpi xmlns:a14="http://schemas.microsoft.com/office/drawing/2010/main" val="0"/>
+              </a:ext>
+            </a:extLst>
+          </a:blip>
+          <a:srcRect/>
+          <a:stretch>
+            <a:fillRect/>
+          </a:stretch>
+        </p:blipFill>
+        <p:spPr bwMode="auto">
+          <a:xfrm>
+            <a:off x="3836204" y="1565745"/>
+            <a:ext cx="4317196" cy="3088690"/>
+          </a:xfrm>
+          <a:prstGeom prst="rect">
+            <a:avLst/>
+          </a:prstGeom>
+          <a:ln>
+            <a:noFill/>
+          </a:ln>
+          <a:effectLst>
+            <a:outerShdw blurRad="292100" dist="139700" dir="2700000" algn="tl" rotWithShape="0">
+              <a:srgbClr val="333333">
+                <a:alpha val="65000"/>
+              </a:srgbClr>
+            </a:outerShdw>
+          </a:effectLst>
+          <a:extLst>
+            <a:ext uri="{909E8E84-426E-40DD-AFC4-6F175D3DCCD1}">
+              <a14:hiddenFill xmlns:a14="http://schemas.microsoft.com/office/drawing/2010/main">
+                <a:solidFill>
+                  <a:schemeClr val="accent1"/>
+                </a:solidFill>
+              </a14:hiddenFill>
+            </a:ext>
+            <a:ext uri="{91240B29-F687-4F45-9708-019B960494DF}">
+              <a14:hiddenLine xmlns:a14="http://schemas.microsoft.com/office/drawing/2010/main" w="9525">
+                <a:solidFill>
+                  <a:schemeClr val="tx1"/>
+                </a:solidFill>
+                <a:miter lim="800000"/>
+                <a:headEnd/>
+                <a:tailEnd/>
+              </a14:hiddenLine>
+            </a:ext>
+          </a:extLst>
+        </p:spPr>
+      </p:pic>
+      <p:sp>
+        <p:nvSpPr>
+          <p:cNvPr id="13" name="TextBox 12"/>
+          <p:cNvSpPr txBox="1"/>
+          <p:nvPr/>
+        </p:nvSpPr>
+        <p:spPr>
+          <a:xfrm>
+            <a:off x="4423425" y="1166396"/>
+            <a:ext cx="3703771" cy="338554"/>
+          </a:xfrm>
+          <a:prstGeom prst="rect">
+            <a:avLst/>
+          </a:prstGeom>
+          <a:noFill/>
+        </p:spPr>
+        <p:txBody>
+          <a:bodyPr wrap="none" rtlCol="0">
+            <a:spAutoFit/>
+          </a:bodyPr>
+          <a:lstStyle/>
+          <a:p>
+            <a:r>
+              <a:rPr lang="en-US" sz="1600" dirty="0" smtClean="0">
+                <a:solidFill>
+                  <a:schemeClr val="bg1"/>
+                </a:solidFill>
+              </a:rPr>
+              <a:t>https://www.youtube.com/user/Sathyaish</a:t>
+            </a:r>
+            <a:endParaRPr lang="en-US" sz="1600" dirty="0">
+              <a:solidFill>
+                <a:schemeClr val="bg1"/>
+              </a:solidFill>
+            </a:endParaRPr>
+          </a:p>
+        </p:txBody>
+      </p:sp>
+    </p:spTree>
+    <p:extLst>
+      <p:ext uri="{BB962C8B-B14F-4D97-AF65-F5344CB8AC3E}">
+        <p14:creationId xmlns:p14="http://schemas.microsoft.com/office/powerpoint/2010/main" val="3859711701"/>
+      </p:ext>
+    </p:extLst>
+  </p:cSld>
+  <p:clrMapOvr>
+    <a:masterClrMapping/>
+  </p:clrMapOvr>
   <p:timing>
     <p:tnLst>
       <p:par>
